--- a/Muhammad  Project presentation.pptx
+++ b/Muhammad  Project presentation.pptx
@@ -8,14 +8,17 @@
     <p:sldId id="256" r:id="rId2"/>
     <p:sldId id="257" r:id="rId3"/>
     <p:sldId id="266" r:id="rId4"/>
-    <p:sldId id="258" r:id="rId5"/>
-    <p:sldId id="264" r:id="rId6"/>
-    <p:sldId id="259" r:id="rId7"/>
-    <p:sldId id="260" r:id="rId8"/>
-    <p:sldId id="263" r:id="rId9"/>
-    <p:sldId id="262" r:id="rId10"/>
-    <p:sldId id="261" r:id="rId11"/>
-    <p:sldId id="265" r:id="rId12"/>
+    <p:sldId id="267" r:id="rId5"/>
+    <p:sldId id="268" r:id="rId6"/>
+    <p:sldId id="258" r:id="rId7"/>
+    <p:sldId id="264" r:id="rId8"/>
+    <p:sldId id="259" r:id="rId9"/>
+    <p:sldId id="260" r:id="rId10"/>
+    <p:sldId id="263" r:id="rId11"/>
+    <p:sldId id="262" r:id="rId12"/>
+    <p:sldId id="261" r:id="rId13"/>
+    <p:sldId id="265" r:id="rId14"/>
+    <p:sldId id="269" r:id="rId15"/>
   </p:sldIdLst>
   <p:sldSz cx="45720000" cy="45720000"/>
   <p:notesSz cx="6858000" cy="9144000"/>
@@ -742,7 +745,7 @@
           <a:p>
             <a:fld id="{84242B17-398D-4BD5-8725-2D5657093B63}" type="datetimeFigureOut">
               <a:rPr lang="en-US" smtClean="0"/>
-              <a:t>4/25/2016</a:t>
+              <a:t>4/26/2016</a:t>
             </a:fld>
             <a:endParaRPr lang="en-US"/>
           </a:p>
@@ -938,7 +941,7 @@
           <a:p>
             <a:fld id="{84242B17-398D-4BD5-8725-2D5657093B63}" type="datetimeFigureOut">
               <a:rPr lang="en-US" smtClean="0"/>
-              <a:t>4/25/2016</a:t>
+              <a:t>4/26/2016</a:t>
             </a:fld>
             <a:endParaRPr lang="en-US"/>
           </a:p>
@@ -1123,7 +1126,7 @@
           <a:p>
             <a:fld id="{84242B17-398D-4BD5-8725-2D5657093B63}" type="datetimeFigureOut">
               <a:rPr lang="en-US" smtClean="0"/>
-              <a:t>4/25/2016</a:t>
+              <a:t>4/26/2016</a:t>
             </a:fld>
             <a:endParaRPr lang="en-US"/>
           </a:p>
@@ -1273,7 +1276,7 @@
           <a:p>
             <a:fld id="{84242B17-398D-4BD5-8725-2D5657093B63}" type="datetimeFigureOut">
               <a:rPr lang="en-US" smtClean="0"/>
-              <a:t>4/25/2016</a:t>
+              <a:t>4/26/2016</a:t>
             </a:fld>
             <a:endParaRPr lang="en-US"/>
           </a:p>
@@ -1528,7 +1531,7 @@
           <a:p>
             <a:fld id="{84242B17-398D-4BD5-8725-2D5657093B63}" type="datetimeFigureOut">
               <a:rPr lang="en-US" smtClean="0"/>
-              <a:t>4/25/2016</a:t>
+              <a:t>4/26/2016</a:t>
             </a:fld>
             <a:endParaRPr lang="en-US"/>
           </a:p>
@@ -1937,7 +1940,7 @@
           <a:p>
             <a:fld id="{84242B17-398D-4BD5-8725-2D5657093B63}" type="datetimeFigureOut">
               <a:rPr lang="en-US" smtClean="0"/>
-              <a:t>4/25/2016</a:t>
+              <a:t>4/26/2016</a:t>
             </a:fld>
             <a:endParaRPr lang="en-US"/>
           </a:p>
@@ -2383,7 +2386,7 @@
           <a:p>
             <a:fld id="{84242B17-398D-4BD5-8725-2D5657093B63}" type="datetimeFigureOut">
               <a:rPr lang="en-US" smtClean="0"/>
-              <a:t>4/25/2016</a:t>
+              <a:t>4/26/2016</a:t>
             </a:fld>
             <a:endParaRPr lang="en-US"/>
           </a:p>
@@ -2484,7 +2487,7 @@
           <a:p>
             <a:fld id="{84242B17-398D-4BD5-8725-2D5657093B63}" type="datetimeFigureOut">
               <a:rPr lang="en-US" smtClean="0"/>
-              <a:t>4/25/2016</a:t>
+              <a:t>4/26/2016</a:t>
             </a:fld>
             <a:endParaRPr lang="en-US"/>
           </a:p>
@@ -2605,7 +2608,7 @@
           <a:p>
             <a:fld id="{84242B17-398D-4BD5-8725-2D5657093B63}" type="datetimeFigureOut">
               <a:rPr lang="en-US" smtClean="0"/>
-              <a:t>4/25/2016</a:t>
+              <a:t>4/26/2016</a:t>
             </a:fld>
             <a:endParaRPr lang="en-US"/>
           </a:p>
@@ -2879,7 +2882,7 @@
           <a:p>
             <a:fld id="{84242B17-398D-4BD5-8725-2D5657093B63}" type="datetimeFigureOut">
               <a:rPr lang="en-US" smtClean="0"/>
-              <a:t>4/25/2016</a:t>
+              <a:t>4/26/2016</a:t>
             </a:fld>
             <a:endParaRPr lang="en-US"/>
           </a:p>
@@ -3084,7 +3087,7 @@
           <a:p>
             <a:fld id="{84242B17-398D-4BD5-8725-2D5657093B63}" type="datetimeFigureOut">
               <a:rPr lang="en-US" smtClean="0"/>
-              <a:t>4/25/2016</a:t>
+              <a:t>4/26/2016</a:t>
             </a:fld>
             <a:endParaRPr lang="en-US"/>
           </a:p>
@@ -4193,7 +4196,7 @@
           <a:p>
             <a:fld id="{84242B17-398D-4BD5-8725-2D5657093B63}" type="datetimeFigureOut">
               <a:rPr lang="en-US" smtClean="0"/>
-              <a:t>4/25/2016</a:t>
+              <a:t>4/26/2016</a:t>
             </a:fld>
             <a:endParaRPr lang="en-US"/>
           </a:p>
@@ -4859,7 +4862,7 @@
         </p:nvSpPr>
         <p:spPr>
           <a:xfrm>
-            <a:off x="25052656" y="27824430"/>
+            <a:off x="24825960" y="26645395"/>
             <a:ext cx="11142344" cy="2400657"/>
           </a:xfrm>
           <a:prstGeom prst="rect">
@@ -4935,11 +4938,7 @@
           <a:p>
             <a:r>
               <a:rPr lang="en-US" sz="17500" b="1" dirty="0" smtClean="0"/>
-              <a:t>Cricket </a:t>
-            </a:r>
-            <a:r>
-              <a:rPr lang="en-US" sz="17500" b="1" dirty="0" smtClean="0"/>
-              <a:t>Score </a:t>
+              <a:t>Cricket Score </a:t>
             </a:r>
           </a:p>
           <a:p>
@@ -5483,8 +5482,13 @@
             </a:pPr>
             <a:r>
               <a:rPr lang="en-US" dirty="0" smtClean="0"/>
-              <a:t>Text fields for 				        Team Name and    Players Playing from that Team.</a:t>
-            </a:r>
+              <a:t>Text Fields for       Match ID, update Type, Batsman Batting and Bowler Bowling</a:t>
+            </a:r>
+            <a:r>
+              <a:rPr lang="en-US" dirty="0"/>
+              <a:t>.</a:t>
+            </a:r>
+            <a:endParaRPr lang="en-US" dirty="0" smtClean="0"/>
           </a:p>
         </p:txBody>
       </p:sp>
@@ -5500,12 +5504,14 @@
         </p:nvSpPr>
         <p:spPr/>
         <p:txBody>
-          <a:bodyPr/>
+          <a:bodyPr>
+            <a:normAutofit fontScale="90000"/>
+          </a:bodyPr>
           <a:lstStyle/>
           <a:p>
             <a:r>
               <a:rPr lang="en-US" dirty="0" smtClean="0"/>
-              <a:t>Teams</a:t>
+              <a:t>Current Batsman And Bowler</a:t>
             </a:r>
             <a:endParaRPr lang="en-US" dirty="0"/>
           </a:p>
@@ -5513,7 +5519,7 @@
       </p:sp>
       <p:pic>
         <p:nvPicPr>
-          <p:cNvPr id="6146" name="Picture 2"/>
+          <p:cNvPr id="8194" name="Picture 2"/>
           <p:cNvPicPr>
             <a:picLocks noChangeAspect="1" noChangeArrowheads="1"/>
           </p:cNvPicPr>
@@ -5534,8 +5540,8 @@
         </p:blipFill>
         <p:spPr bwMode="auto">
           <a:xfrm>
-            <a:off x="27584400" y="9220200"/>
-            <a:ext cx="15316200" cy="28117800"/>
+            <a:off x="25679400" y="9753600"/>
+            <a:ext cx="16230600" cy="28651200"/>
           </a:xfrm>
           <a:prstGeom prst="rect">
             <a:avLst/>
@@ -5578,7 +5584,7 @@
     </p:spTree>
     <p:extLst>
       <p:ext uri="{BB962C8B-B14F-4D97-AF65-F5344CB8AC3E}">
-        <p14:creationId xmlns:p14="http://schemas.microsoft.com/office/powerpoint/2010/main" val="3115816257"/>
+        <p14:creationId xmlns:p14="http://schemas.microsoft.com/office/powerpoint/2010/main" val="1267629279"/>
       </p:ext>
     </p:extLst>
   </p:cSld>
@@ -5624,8 +5630,8 @@
         </p:nvSpPr>
         <p:spPr>
           <a:xfrm>
-            <a:off x="1905000" y="9875523"/>
-            <a:ext cx="22479000" cy="30173087"/>
+            <a:off x="2286000" y="9875523"/>
+            <a:ext cx="22098000" cy="30173087"/>
           </a:xfrm>
         </p:spPr>
         <p:txBody>
@@ -5636,7 +5642,7 @@
           <a:p>
             <a:r>
               <a:rPr lang="en-US" dirty="0" smtClean="0"/>
-              <a:t>In User App Main Activity has 6</a:t>
+              <a:t>This Activity has </a:t>
             </a:r>
           </a:p>
           <a:p>
@@ -5645,19 +5651,7 @@
             </a:pPr>
             <a:r>
               <a:rPr lang="en-US" dirty="0" smtClean="0"/>
-              <a:t>  Buttons and a text  		  field.</a:t>
-            </a:r>
-          </a:p>
-          <a:p>
-            <a:r>
-              <a:rPr lang="en-US" dirty="0" smtClean="0"/>
-              <a:t>Get ID is used to get Ids for all on going matches.</a:t>
-            </a:r>
-          </a:p>
-          <a:p>
-            <a:r>
-              <a:rPr lang="en-US" dirty="0" smtClean="0"/>
-              <a:t>Text Field is used to type Match ID followed by Respective Buttons for Particular Stats. </a:t>
+              <a:t>Text Fields for Match Id , update Type , Team Name, Score , Wickets , Overs , Total Overs</a:t>
             </a:r>
           </a:p>
         </p:txBody>
@@ -5679,7 +5673,7 @@
           <a:p>
             <a:r>
               <a:rPr lang="en-US" dirty="0" smtClean="0"/>
-              <a:t>User App</a:t>
+              <a:t>Score Update</a:t>
             </a:r>
             <a:endParaRPr lang="en-US" dirty="0"/>
           </a:p>
@@ -5687,7 +5681,7 @@
       </p:sp>
       <p:pic>
         <p:nvPicPr>
-          <p:cNvPr id="9218" name="Picture 2"/>
+          <p:cNvPr id="7170" name="Picture 2"/>
           <p:cNvPicPr>
             <a:picLocks noChangeAspect="1" noChangeArrowheads="1"/>
           </p:cNvPicPr>
@@ -5708,8 +5702,8 @@
         </p:blipFill>
         <p:spPr bwMode="auto">
           <a:xfrm>
-            <a:off x="25298400" y="6934200"/>
-            <a:ext cx="19126200" cy="33299400"/>
+            <a:off x="26136600" y="8839200"/>
+            <a:ext cx="15316200" cy="28803600"/>
           </a:xfrm>
           <a:prstGeom prst="rect">
             <a:avLst/>
@@ -5752,6 +5746,342 @@
     </p:spTree>
     <p:extLst>
       <p:ext uri="{BB962C8B-B14F-4D97-AF65-F5344CB8AC3E}">
+        <p14:creationId xmlns:p14="http://schemas.microsoft.com/office/powerpoint/2010/main" val="4107538928"/>
+      </p:ext>
+    </p:extLst>
+  </p:cSld>
+  <p:clrMapOvr>
+    <a:masterClrMapping/>
+  </p:clrMapOvr>
+  <p:timing>
+    <p:tnLst>
+      <p:par>
+        <p:cTn id="1" dur="indefinite" restart="never" nodeType="tmRoot"/>
+      </p:par>
+    </p:tnLst>
+  </p:timing>
+</p:sld>
+</file>
+
+<file path=ppt/slides/slide12.xml><?xml version="1.0" encoding="utf-8"?>
+<p:sld xmlns:a="http://schemas.openxmlformats.org/drawingml/2006/main" xmlns:r="http://schemas.openxmlformats.org/officeDocument/2006/relationships" xmlns:p="http://schemas.openxmlformats.org/presentationml/2006/main">
+  <p:cSld>
+    <p:spTree>
+      <p:nvGrpSpPr>
+        <p:cNvPr id="1" name=""/>
+        <p:cNvGrpSpPr/>
+        <p:nvPr/>
+      </p:nvGrpSpPr>
+      <p:grpSpPr>
+        <a:xfrm>
+          <a:off x="0" y="0"/>
+          <a:ext cx="0" cy="0"/>
+          <a:chOff x="0" y="0"/>
+          <a:chExt cx="0" cy="0"/>
+        </a:xfrm>
+      </p:grpSpPr>
+      <p:sp>
+        <p:nvSpPr>
+          <p:cNvPr id="3" name="Content Placeholder 2"/>
+          <p:cNvSpPr>
+            <a:spLocks noGrp="1"/>
+          </p:cNvSpPr>
+          <p:nvPr>
+            <p:ph idx="1"/>
+          </p:nvPr>
+        </p:nvSpPr>
+        <p:spPr>
+          <a:xfrm>
+            <a:off x="2286000" y="9875523"/>
+            <a:ext cx="22098000" cy="30173087"/>
+          </a:xfrm>
+        </p:spPr>
+        <p:txBody>
+          <a:bodyPr>
+            <a:normAutofit/>
+          </a:bodyPr>
+          <a:lstStyle/>
+          <a:p>
+            <a:r>
+              <a:rPr lang="en-US" dirty="0" smtClean="0"/>
+              <a:t>This Activity has </a:t>
+            </a:r>
+          </a:p>
+          <a:p>
+            <a:pPr marL="627008" indent="0">
+              <a:buNone/>
+            </a:pPr>
+            <a:r>
+              <a:rPr lang="en-US" dirty="0" smtClean="0"/>
+              <a:t>Text fields for 				        Team Name and    Players Playing from that Team.</a:t>
+            </a:r>
+          </a:p>
+        </p:txBody>
+      </p:sp>
+      <p:sp>
+        <p:nvSpPr>
+          <p:cNvPr id="2" name="Title 1"/>
+          <p:cNvSpPr>
+            <a:spLocks noGrp="1"/>
+          </p:cNvSpPr>
+          <p:nvPr>
+            <p:ph type="title"/>
+          </p:nvPr>
+        </p:nvSpPr>
+        <p:spPr/>
+        <p:txBody>
+          <a:bodyPr/>
+          <a:lstStyle/>
+          <a:p>
+            <a:r>
+              <a:rPr lang="en-US" dirty="0" smtClean="0"/>
+              <a:t>Teams</a:t>
+            </a:r>
+            <a:endParaRPr lang="en-US" dirty="0"/>
+          </a:p>
+        </p:txBody>
+      </p:sp>
+      <p:pic>
+        <p:nvPicPr>
+          <p:cNvPr id="6146" name="Picture 2"/>
+          <p:cNvPicPr>
+            <a:picLocks noChangeAspect="1" noChangeArrowheads="1"/>
+          </p:cNvPicPr>
+          <p:nvPr/>
+        </p:nvPicPr>
+        <p:blipFill>
+          <a:blip r:embed="rId2">
+            <a:extLst>
+              <a:ext uri="{28A0092B-C50C-407E-A947-70E740481C1C}">
+                <a14:useLocalDpi xmlns:a14="http://schemas.microsoft.com/office/drawing/2010/main" val="0"/>
+              </a:ext>
+            </a:extLst>
+          </a:blip>
+          <a:srcRect/>
+          <a:stretch>
+            <a:fillRect/>
+          </a:stretch>
+        </p:blipFill>
+        <p:spPr bwMode="auto">
+          <a:xfrm>
+            <a:off x="27584400" y="9220200"/>
+            <a:ext cx="15316200" cy="28117800"/>
+          </a:xfrm>
+          <a:prstGeom prst="rect">
+            <a:avLst/>
+          </a:prstGeom>
+          <a:noFill/>
+          <a:ln>
+            <a:noFill/>
+          </a:ln>
+          <a:effectLst/>
+          <a:extLst>
+            <a:ext uri="{909E8E84-426E-40DD-AFC4-6F175D3DCCD1}">
+              <a14:hiddenFill xmlns:a14="http://schemas.microsoft.com/office/drawing/2010/main">
+                <a:solidFill>
+                  <a:schemeClr val="accent1"/>
+                </a:solidFill>
+              </a14:hiddenFill>
+            </a:ext>
+            <a:ext uri="{91240B29-F687-4F45-9708-019B960494DF}">
+              <a14:hiddenLine xmlns:a14="http://schemas.microsoft.com/office/drawing/2010/main" w="9525">
+                <a:solidFill>
+                  <a:schemeClr val="tx1"/>
+                </a:solidFill>
+                <a:miter lim="800000"/>
+                <a:headEnd/>
+                <a:tailEnd/>
+              </a14:hiddenLine>
+            </a:ext>
+            <a:ext uri="{AF507438-7753-43E0-B8FC-AC1667EBCBE1}">
+              <a14:hiddenEffects xmlns:a14="http://schemas.microsoft.com/office/drawing/2010/main">
+                <a:effectLst>
+                  <a:outerShdw dist="35921" dir="2700000" algn="ctr" rotWithShape="0">
+                    <a:schemeClr val="bg2"/>
+                  </a:outerShdw>
+                </a:effectLst>
+              </a14:hiddenEffects>
+            </a:ext>
+          </a:extLst>
+        </p:spPr>
+      </p:pic>
+    </p:spTree>
+    <p:extLst>
+      <p:ext uri="{BB962C8B-B14F-4D97-AF65-F5344CB8AC3E}">
+        <p14:creationId xmlns:p14="http://schemas.microsoft.com/office/powerpoint/2010/main" val="3115816257"/>
+      </p:ext>
+    </p:extLst>
+  </p:cSld>
+  <p:clrMapOvr>
+    <a:masterClrMapping/>
+  </p:clrMapOvr>
+  <p:timing>
+    <p:tnLst>
+      <p:par>
+        <p:cTn id="1" dur="indefinite" restart="never" nodeType="tmRoot"/>
+      </p:par>
+    </p:tnLst>
+  </p:timing>
+</p:sld>
+</file>
+
+<file path=ppt/slides/slide13.xml><?xml version="1.0" encoding="utf-8"?>
+<p:sld xmlns:a="http://schemas.openxmlformats.org/drawingml/2006/main" xmlns:r="http://schemas.openxmlformats.org/officeDocument/2006/relationships" xmlns:p="http://schemas.openxmlformats.org/presentationml/2006/main">
+  <p:cSld>
+    <p:spTree>
+      <p:nvGrpSpPr>
+        <p:cNvPr id="1" name=""/>
+        <p:cNvGrpSpPr/>
+        <p:nvPr/>
+      </p:nvGrpSpPr>
+      <p:grpSpPr>
+        <a:xfrm>
+          <a:off x="0" y="0"/>
+          <a:ext cx="0" cy="0"/>
+          <a:chOff x="0" y="0"/>
+          <a:chExt cx="0" cy="0"/>
+        </a:xfrm>
+      </p:grpSpPr>
+      <p:sp>
+        <p:nvSpPr>
+          <p:cNvPr id="3" name="Content Placeholder 2"/>
+          <p:cNvSpPr>
+            <a:spLocks noGrp="1"/>
+          </p:cNvSpPr>
+          <p:nvPr>
+            <p:ph idx="1"/>
+          </p:nvPr>
+        </p:nvSpPr>
+        <p:spPr>
+          <a:xfrm>
+            <a:off x="1905000" y="9875523"/>
+            <a:ext cx="22479000" cy="30173087"/>
+          </a:xfrm>
+        </p:spPr>
+        <p:txBody>
+          <a:bodyPr>
+            <a:normAutofit/>
+          </a:bodyPr>
+          <a:lstStyle/>
+          <a:p>
+            <a:r>
+              <a:rPr lang="en-US" dirty="0" smtClean="0"/>
+              <a:t>In User App Main Activity has 6</a:t>
+            </a:r>
+          </a:p>
+          <a:p>
+            <a:pPr marL="627008" indent="0">
+              <a:buNone/>
+            </a:pPr>
+            <a:r>
+              <a:rPr lang="en-US" dirty="0" smtClean="0"/>
+              <a:t>  Buttons and a text  		  field.</a:t>
+            </a:r>
+          </a:p>
+          <a:p>
+            <a:r>
+              <a:rPr lang="en-US" dirty="0" smtClean="0"/>
+              <a:t>Get ID is used to get Ids for all on going matches.</a:t>
+            </a:r>
+          </a:p>
+          <a:p>
+            <a:r>
+              <a:rPr lang="en-US" dirty="0" smtClean="0"/>
+              <a:t>Text Field is used to type Match ID followed by Respective Buttons for Particular Stats. </a:t>
+            </a:r>
+          </a:p>
+        </p:txBody>
+      </p:sp>
+      <p:sp>
+        <p:nvSpPr>
+          <p:cNvPr id="2" name="Title 1"/>
+          <p:cNvSpPr>
+            <a:spLocks noGrp="1"/>
+          </p:cNvSpPr>
+          <p:nvPr>
+            <p:ph type="title"/>
+          </p:nvPr>
+        </p:nvSpPr>
+        <p:spPr/>
+        <p:txBody>
+          <a:bodyPr/>
+          <a:lstStyle/>
+          <a:p>
+            <a:r>
+              <a:rPr lang="en-US" dirty="0" smtClean="0"/>
+              <a:t>User App</a:t>
+            </a:r>
+            <a:endParaRPr lang="en-US" dirty="0"/>
+          </a:p>
+        </p:txBody>
+      </p:sp>
+      <p:pic>
+        <p:nvPicPr>
+          <p:cNvPr id="9218" name="Picture 2"/>
+          <p:cNvPicPr>
+            <a:picLocks noChangeAspect="1" noChangeArrowheads="1"/>
+          </p:cNvPicPr>
+          <p:nvPr/>
+        </p:nvPicPr>
+        <p:blipFill>
+          <a:blip r:embed="rId2">
+            <a:extLst>
+              <a:ext uri="{28A0092B-C50C-407E-A947-70E740481C1C}">
+                <a14:useLocalDpi xmlns:a14="http://schemas.microsoft.com/office/drawing/2010/main" val="0"/>
+              </a:ext>
+            </a:extLst>
+          </a:blip>
+          <a:srcRect/>
+          <a:stretch>
+            <a:fillRect/>
+          </a:stretch>
+        </p:blipFill>
+        <p:spPr bwMode="auto">
+          <a:xfrm>
+            <a:off x="25298400" y="6934200"/>
+            <a:ext cx="19126200" cy="33299400"/>
+          </a:xfrm>
+          <a:prstGeom prst="rect">
+            <a:avLst/>
+          </a:prstGeom>
+          <a:noFill/>
+          <a:ln>
+            <a:noFill/>
+          </a:ln>
+          <a:effectLst/>
+          <a:extLst>
+            <a:ext uri="{909E8E84-426E-40DD-AFC4-6F175D3DCCD1}">
+              <a14:hiddenFill xmlns:a14="http://schemas.microsoft.com/office/drawing/2010/main">
+                <a:solidFill>
+                  <a:schemeClr val="accent1"/>
+                </a:solidFill>
+              </a14:hiddenFill>
+            </a:ext>
+            <a:ext uri="{91240B29-F687-4F45-9708-019B960494DF}">
+              <a14:hiddenLine xmlns:a14="http://schemas.microsoft.com/office/drawing/2010/main" w="9525">
+                <a:solidFill>
+                  <a:schemeClr val="tx1"/>
+                </a:solidFill>
+                <a:miter lim="800000"/>
+                <a:headEnd/>
+                <a:tailEnd/>
+              </a14:hiddenLine>
+            </a:ext>
+            <a:ext uri="{AF507438-7753-43E0-B8FC-AC1667EBCBE1}">
+              <a14:hiddenEffects xmlns:a14="http://schemas.microsoft.com/office/drawing/2010/main">
+                <a:effectLst>
+                  <a:outerShdw dist="35921" dir="2700000" algn="ctr" rotWithShape="0">
+                    <a:schemeClr val="bg2"/>
+                  </a:outerShdw>
+                </a:effectLst>
+              </a14:hiddenEffects>
+            </a:ext>
+          </a:extLst>
+        </p:spPr>
+      </p:pic>
+    </p:spTree>
+    <p:extLst>
+      <p:ext uri="{BB962C8B-B14F-4D97-AF65-F5344CB8AC3E}">
         <p14:creationId xmlns:p14="http://schemas.microsoft.com/office/powerpoint/2010/main" val="2979160893"/>
       </p:ext>
     </p:extLst>
@@ -5766,6 +6096,128 @@
       </p:par>
     </p:tnLst>
   </p:timing>
+</p:sld>
+</file>
+
+<file path=ppt/slides/slide14.xml><?xml version="1.0" encoding="utf-8"?>
+<p:sld xmlns:a="http://schemas.openxmlformats.org/drawingml/2006/main" xmlns:r="http://schemas.openxmlformats.org/officeDocument/2006/relationships" xmlns:p="http://schemas.openxmlformats.org/presentationml/2006/main">
+  <p:cSld>
+    <p:spTree>
+      <p:nvGrpSpPr>
+        <p:cNvPr id="1" name=""/>
+        <p:cNvGrpSpPr/>
+        <p:nvPr/>
+      </p:nvGrpSpPr>
+      <p:grpSpPr>
+        <a:xfrm>
+          <a:off x="0" y="0"/>
+          <a:ext cx="0" cy="0"/>
+          <a:chOff x="0" y="0"/>
+          <a:chExt cx="0" cy="0"/>
+        </a:xfrm>
+      </p:grpSpPr>
+      <p:sp>
+        <p:nvSpPr>
+          <p:cNvPr id="3" name="Title 2"/>
+          <p:cNvSpPr>
+            <a:spLocks noGrp="1"/>
+          </p:cNvSpPr>
+          <p:nvPr>
+            <p:ph type="title"/>
+          </p:nvPr>
+        </p:nvSpPr>
+        <p:spPr>
+          <a:xfrm>
+            <a:off x="2209800" y="17449800"/>
+            <a:ext cx="41148000" cy="7620000"/>
+          </a:xfrm>
+        </p:spPr>
+        <p:txBody>
+          <a:bodyPr/>
+          <a:lstStyle/>
+          <a:p>
+            <a:r>
+              <a:rPr lang="en-US" dirty="0" smtClean="0"/>
+              <a:t>																</a:t>
+            </a:r>
+            <a:endParaRPr lang="en-US" dirty="0"/>
+          </a:p>
+        </p:txBody>
+      </p:sp>
+      <p:pic>
+        <p:nvPicPr>
+          <p:cNvPr id="1026" name="Picture 2"/>
+          <p:cNvPicPr>
+            <a:picLocks noChangeAspect="1" noChangeArrowheads="1"/>
+          </p:cNvPicPr>
+          <p:nvPr/>
+        </p:nvPicPr>
+        <p:blipFill>
+          <a:blip r:embed="rId2">
+            <a:extLst>
+              <a:ext uri="{28A0092B-C50C-407E-A947-70E740481C1C}">
+                <a14:useLocalDpi xmlns:a14="http://schemas.microsoft.com/office/drawing/2010/main" val="0"/>
+              </a:ext>
+            </a:extLst>
+          </a:blip>
+          <a:srcRect/>
+          <a:stretch>
+            <a:fillRect/>
+          </a:stretch>
+        </p:blipFill>
+        <p:spPr bwMode="auto">
+          <a:xfrm>
+            <a:off x="8991600" y="13335000"/>
+            <a:ext cx="28114040" cy="13068300"/>
+          </a:xfrm>
+          <a:prstGeom prst="rect">
+            <a:avLst/>
+          </a:prstGeom>
+          <a:noFill/>
+          <a:ln>
+            <a:noFill/>
+          </a:ln>
+          <a:effectLst/>
+          <a:extLst>
+            <a:ext uri="{909E8E84-426E-40DD-AFC4-6F175D3DCCD1}">
+              <a14:hiddenFill xmlns:a14="http://schemas.microsoft.com/office/drawing/2010/main">
+                <a:solidFill>
+                  <a:schemeClr val="accent1"/>
+                </a:solidFill>
+              </a14:hiddenFill>
+            </a:ext>
+            <a:ext uri="{91240B29-F687-4F45-9708-019B960494DF}">
+              <a14:hiddenLine xmlns:a14="http://schemas.microsoft.com/office/drawing/2010/main" w="9525">
+                <a:solidFill>
+                  <a:schemeClr val="tx1"/>
+                </a:solidFill>
+                <a:miter lim="800000"/>
+                <a:headEnd/>
+                <a:tailEnd/>
+              </a14:hiddenLine>
+            </a:ext>
+            <a:ext uri="{AF507438-7753-43E0-B8FC-AC1667EBCBE1}">
+              <a14:hiddenEffects xmlns:a14="http://schemas.microsoft.com/office/drawing/2010/main">
+                <a:effectLst>
+                  <a:outerShdw dist="35921" dir="2700000" algn="ctr" rotWithShape="0">
+                    <a:schemeClr val="bg2"/>
+                  </a:outerShdw>
+                </a:effectLst>
+              </a14:hiddenEffects>
+            </a:ext>
+          </a:extLst>
+        </p:spPr>
+      </p:pic>
+    </p:spTree>
+    <p:extLst>
+      <p:ext uri="{BB962C8B-B14F-4D97-AF65-F5344CB8AC3E}">
+        <p14:creationId xmlns:p14="http://schemas.microsoft.com/office/powerpoint/2010/main" val="1528823309"/>
+      </p:ext>
+    </p:extLst>
+  </p:cSld>
+  <p:clrMapOvr>
+    <a:masterClrMapping/>
+  </p:clrMapOvr>
 </p:sld>
 </file>
 
@@ -6068,11 +6520,6 @@
               </a:rPr>
               <a:t>Keeper</a:t>
             </a:r>
-            <a:endParaRPr lang="en-US" sz="12000" dirty="0" smtClean="0">
-              <a:solidFill>
-                <a:schemeClr val="tx1"/>
-              </a:solidFill>
-            </a:endParaRPr>
           </a:p>
           <a:p>
             <a:pPr algn="ctr"/>
@@ -6562,7 +7009,15 @@
           <a:p>
             <a:r>
               <a:rPr lang="en-US" dirty="0" smtClean="0"/>
-              <a:t>Server side Scripting Language PHP.</a:t>
+              <a:t>Server side Scripting </a:t>
+            </a:r>
+            <a:r>
+              <a:rPr lang="en-US" dirty="0" smtClean="0"/>
+              <a:t>Language- </a:t>
+            </a:r>
+            <a:r>
+              <a:rPr lang="en-US" dirty="0" smtClean="0"/>
+              <a:t>PHP.</a:t>
             </a:r>
           </a:p>
           <a:p>
@@ -6628,10 +7083,263 @@
   <p:clrMapOvr>
     <a:masterClrMapping/>
   </p:clrMapOvr>
+  <p:timing>
+    <p:tnLst>
+      <p:par>
+        <p:cTn id="1" dur="indefinite" restart="never" nodeType="tmRoot"/>
+      </p:par>
+    </p:tnLst>
+  </p:timing>
 </p:sld>
 </file>
 
 <file path=ppt/slides/slide4.xml><?xml version="1.0" encoding="utf-8"?>
+<p:sld xmlns:a="http://schemas.openxmlformats.org/drawingml/2006/main" xmlns:r="http://schemas.openxmlformats.org/officeDocument/2006/relationships" xmlns:p="http://schemas.openxmlformats.org/presentationml/2006/main">
+  <p:cSld>
+    <p:spTree>
+      <p:nvGrpSpPr>
+        <p:cNvPr id="1" name=""/>
+        <p:cNvGrpSpPr/>
+        <p:nvPr/>
+      </p:nvGrpSpPr>
+      <p:grpSpPr>
+        <a:xfrm>
+          <a:off x="0" y="0"/>
+          <a:ext cx="0" cy="0"/>
+          <a:chOff x="0" y="0"/>
+          <a:chExt cx="0" cy="0"/>
+        </a:xfrm>
+      </p:grpSpPr>
+      <p:sp>
+        <p:nvSpPr>
+          <p:cNvPr id="2" name="Content Placeholder 1"/>
+          <p:cNvSpPr>
+            <a:spLocks noGrp="1"/>
+          </p:cNvSpPr>
+          <p:nvPr>
+            <p:ph idx="1"/>
+          </p:nvPr>
+        </p:nvSpPr>
+        <p:spPr/>
+        <p:txBody>
+          <a:bodyPr/>
+          <a:lstStyle/>
+          <a:p>
+            <a:r>
+              <a:rPr lang="en-US" dirty="0" smtClean="0"/>
+              <a:t>In first part a connection is established to a database on server using PHP scripts.</a:t>
+            </a:r>
+          </a:p>
+          <a:p>
+            <a:r>
+              <a:rPr lang="en-US" dirty="0" smtClean="0"/>
+              <a:t>After establishing the connection with database write further PHP Scripts for inserting information in database and retrieving information from database. (SQL query statements are used for inserting and retrieving </a:t>
+            </a:r>
+            <a:r>
+              <a:rPr lang="en-US" dirty="0"/>
+              <a:t>of data </a:t>
+            </a:r>
+            <a:r>
+              <a:rPr lang="en-US" dirty="0" smtClean="0"/>
+              <a:t>from database in PHP Scripts.)</a:t>
+            </a:r>
+          </a:p>
+          <a:p>
+            <a:pPr marL="627008" indent="0">
+              <a:buNone/>
+            </a:pPr>
+            <a:endParaRPr lang="en-US" dirty="0" smtClean="0"/>
+          </a:p>
+          <a:p>
+            <a:pPr marL="627008" indent="0">
+              <a:buNone/>
+            </a:pPr>
+            <a:endParaRPr lang="en-US" dirty="0"/>
+          </a:p>
+        </p:txBody>
+      </p:sp>
+      <p:sp>
+        <p:nvSpPr>
+          <p:cNvPr id="3" name="Title 2"/>
+          <p:cNvSpPr>
+            <a:spLocks noGrp="1"/>
+          </p:cNvSpPr>
+          <p:nvPr>
+            <p:ph type="title"/>
+          </p:nvPr>
+        </p:nvSpPr>
+        <p:spPr/>
+        <p:txBody>
+          <a:bodyPr/>
+          <a:lstStyle/>
+          <a:p>
+            <a:r>
+              <a:rPr lang="en-IE" dirty="0">
+                <a:solidFill>
+                  <a:schemeClr val="tx1"/>
+                </a:solidFill>
+              </a:rPr>
+              <a:t>Description of  project</a:t>
+            </a:r>
+            <a:endParaRPr lang="en-US" dirty="0"/>
+          </a:p>
+        </p:txBody>
+      </p:sp>
+    </p:spTree>
+    <p:extLst>
+      <p:ext uri="{BB962C8B-B14F-4D97-AF65-F5344CB8AC3E}">
+        <p14:creationId xmlns:p14="http://schemas.microsoft.com/office/powerpoint/2010/main" val="3366390844"/>
+      </p:ext>
+    </p:extLst>
+  </p:cSld>
+  <p:clrMapOvr>
+    <a:masterClrMapping/>
+  </p:clrMapOvr>
+  <p:timing>
+    <p:tnLst>
+      <p:par>
+        <p:cTn id="1" dur="indefinite" restart="never" nodeType="tmRoot"/>
+      </p:par>
+    </p:tnLst>
+  </p:timing>
+</p:sld>
+</file>
+
+<file path=ppt/slides/slide5.xml><?xml version="1.0" encoding="utf-8"?>
+<p:sld xmlns:a="http://schemas.openxmlformats.org/drawingml/2006/main" xmlns:r="http://schemas.openxmlformats.org/officeDocument/2006/relationships" xmlns:p="http://schemas.openxmlformats.org/presentationml/2006/main">
+  <p:cSld>
+    <p:spTree>
+      <p:nvGrpSpPr>
+        <p:cNvPr id="1" name=""/>
+        <p:cNvGrpSpPr/>
+        <p:nvPr/>
+      </p:nvGrpSpPr>
+      <p:grpSpPr>
+        <a:xfrm>
+          <a:off x="0" y="0"/>
+          <a:ext cx="0" cy="0"/>
+          <a:chOff x="0" y="0"/>
+          <a:chExt cx="0" cy="0"/>
+        </a:xfrm>
+      </p:grpSpPr>
+      <p:sp>
+        <p:nvSpPr>
+          <p:cNvPr id="2" name="Content Placeholder 1"/>
+          <p:cNvSpPr>
+            <a:spLocks noGrp="1"/>
+          </p:cNvSpPr>
+          <p:nvPr>
+            <p:ph idx="1"/>
+          </p:nvPr>
+        </p:nvSpPr>
+        <p:spPr/>
+        <p:txBody>
+          <a:bodyPr/>
+          <a:lstStyle/>
+          <a:p>
+            <a:r>
+              <a:rPr lang="en-US" dirty="0" smtClean="0"/>
+              <a:t>In 2</a:t>
+            </a:r>
+            <a:r>
+              <a:rPr lang="en-US" baseline="30000" dirty="0" smtClean="0"/>
+              <a:t>nd</a:t>
+            </a:r>
+            <a:r>
+              <a:rPr lang="en-US" dirty="0" smtClean="0"/>
+              <a:t> Part Android Applications are created Admin Score Keeping App and User App for </a:t>
+            </a:r>
+            <a:r>
+              <a:rPr lang="en-US" dirty="0"/>
+              <a:t>l</a:t>
+            </a:r>
+            <a:r>
+              <a:rPr lang="en-US" dirty="0" smtClean="0"/>
+              <a:t>ive scores.</a:t>
+            </a:r>
+          </a:p>
+          <a:p>
+            <a:r>
+              <a:rPr lang="en-US" dirty="0" smtClean="0"/>
+              <a:t>PHP scripts are modified to store the information from </a:t>
+            </a:r>
+            <a:r>
+              <a:rPr lang="en-US" dirty="0"/>
+              <a:t>Android Applications</a:t>
+            </a:r>
+            <a:r>
+              <a:rPr lang="en-US" dirty="0" smtClean="0"/>
+              <a:t> in variables which can be send to the server and fetch information from database and display in Application via toast.</a:t>
+            </a:r>
+          </a:p>
+          <a:p>
+            <a:pPr marL="627008" indent="0">
+              <a:buNone/>
+            </a:pPr>
+            <a:endParaRPr lang="en-US" dirty="0" smtClean="0"/>
+          </a:p>
+          <a:p>
+            <a:pPr marL="627008" indent="0">
+              <a:buNone/>
+            </a:pPr>
+            <a:endParaRPr lang="en-US" dirty="0" smtClean="0"/>
+          </a:p>
+          <a:p>
+            <a:pPr marL="627008" indent="0">
+              <a:buNone/>
+            </a:pPr>
+            <a:endParaRPr lang="en-US" dirty="0"/>
+          </a:p>
+        </p:txBody>
+      </p:sp>
+      <p:sp>
+        <p:nvSpPr>
+          <p:cNvPr id="3" name="Title 2"/>
+          <p:cNvSpPr>
+            <a:spLocks noGrp="1"/>
+          </p:cNvSpPr>
+          <p:nvPr>
+            <p:ph type="title"/>
+          </p:nvPr>
+        </p:nvSpPr>
+        <p:spPr/>
+        <p:txBody>
+          <a:bodyPr/>
+          <a:lstStyle/>
+          <a:p>
+            <a:r>
+              <a:rPr lang="en-IE" dirty="0">
+                <a:solidFill>
+                  <a:schemeClr val="tx1"/>
+                </a:solidFill>
+              </a:rPr>
+              <a:t>Description of  project</a:t>
+            </a:r>
+            <a:endParaRPr lang="en-US" dirty="0"/>
+          </a:p>
+        </p:txBody>
+      </p:sp>
+    </p:spTree>
+    <p:extLst>
+      <p:ext uri="{BB962C8B-B14F-4D97-AF65-F5344CB8AC3E}">
+        <p14:creationId xmlns:p14="http://schemas.microsoft.com/office/powerpoint/2010/main" val="396671533"/>
+      </p:ext>
+    </p:extLst>
+  </p:cSld>
+  <p:clrMapOvr>
+    <a:masterClrMapping/>
+  </p:clrMapOvr>
+  <p:timing>
+    <p:tnLst>
+      <p:par>
+        <p:cTn id="1" dur="indefinite" restart="never" nodeType="tmRoot"/>
+      </p:par>
+    </p:tnLst>
+  </p:timing>
+</p:sld>
+</file>
+
+<file path=ppt/slides/slide6.xml><?xml version="1.0" encoding="utf-8"?>
 <p:sld xmlns:a="http://schemas.openxmlformats.org/drawingml/2006/main" xmlns:r="http://schemas.openxmlformats.org/officeDocument/2006/relationships" xmlns:p="http://schemas.openxmlformats.org/presentationml/2006/main">
   <p:cSld>
     <p:spTree>
@@ -6822,7 +7530,7 @@
 </p:sld>
 </file>
 
-<file path=ppt/slides/slide5.xml><?xml version="1.0" encoding="utf-8"?>
+<file path=ppt/slides/slide7.xml><?xml version="1.0" encoding="utf-8"?>
 <p:sld xmlns:a="http://schemas.openxmlformats.org/drawingml/2006/main" xmlns:r="http://schemas.openxmlformats.org/officeDocument/2006/relationships" xmlns:p="http://schemas.openxmlformats.org/presentationml/2006/main">
   <p:cSld>
     <p:spTree>
@@ -6991,7 +7699,7 @@
 </p:sld>
 </file>
 
-<file path=ppt/slides/slide6.xml><?xml version="1.0" encoding="utf-8"?>
+<file path=ppt/slides/slide8.xml><?xml version="1.0" encoding="utf-8"?>
 <p:sld xmlns:a="http://schemas.openxmlformats.org/drawingml/2006/main" xmlns:r="http://schemas.openxmlformats.org/officeDocument/2006/relationships" xmlns:p="http://schemas.openxmlformats.org/presentationml/2006/main">
   <p:cSld>
     <p:spTree>
@@ -7205,7 +7913,7 @@
 </p:sld>
 </file>
 
-<file path=ppt/slides/slide7.xml><?xml version="1.0" encoding="utf-8"?>
+<file path=ppt/slides/slide9.xml><?xml version="1.0" encoding="utf-8"?>
 <p:sld xmlns:a="http://schemas.openxmlformats.org/drawingml/2006/main" xmlns:r="http://schemas.openxmlformats.org/officeDocument/2006/relationships" xmlns:p="http://schemas.openxmlformats.org/presentationml/2006/main">
   <p:cSld>
     <p:spTree>
@@ -7369,337 +8077,6 @@
     <p:extLst>
       <p:ext uri="{BB962C8B-B14F-4D97-AF65-F5344CB8AC3E}">
         <p14:creationId xmlns:p14="http://schemas.microsoft.com/office/powerpoint/2010/main" val="1402419291"/>
-      </p:ext>
-    </p:extLst>
-  </p:cSld>
-  <p:clrMapOvr>
-    <a:masterClrMapping/>
-  </p:clrMapOvr>
-  <p:timing>
-    <p:tnLst>
-      <p:par>
-        <p:cTn id="1" dur="indefinite" restart="never" nodeType="tmRoot"/>
-      </p:par>
-    </p:tnLst>
-  </p:timing>
-</p:sld>
-</file>
-
-<file path=ppt/slides/slide8.xml><?xml version="1.0" encoding="utf-8"?>
-<p:sld xmlns:a="http://schemas.openxmlformats.org/drawingml/2006/main" xmlns:r="http://schemas.openxmlformats.org/officeDocument/2006/relationships" xmlns:p="http://schemas.openxmlformats.org/presentationml/2006/main">
-  <p:cSld>
-    <p:spTree>
-      <p:nvGrpSpPr>
-        <p:cNvPr id="1" name=""/>
-        <p:cNvGrpSpPr/>
-        <p:nvPr/>
-      </p:nvGrpSpPr>
-      <p:grpSpPr>
-        <a:xfrm>
-          <a:off x="0" y="0"/>
-          <a:ext cx="0" cy="0"/>
-          <a:chOff x="0" y="0"/>
-          <a:chExt cx="0" cy="0"/>
-        </a:xfrm>
-      </p:grpSpPr>
-      <p:sp>
-        <p:nvSpPr>
-          <p:cNvPr id="3" name="Content Placeholder 2"/>
-          <p:cNvSpPr>
-            <a:spLocks noGrp="1"/>
-          </p:cNvSpPr>
-          <p:nvPr>
-            <p:ph idx="1"/>
-          </p:nvPr>
-        </p:nvSpPr>
-        <p:spPr>
-          <a:xfrm>
-            <a:off x="2286000" y="9875523"/>
-            <a:ext cx="22098000" cy="30173087"/>
-          </a:xfrm>
-        </p:spPr>
-        <p:txBody>
-          <a:bodyPr>
-            <a:normAutofit/>
-          </a:bodyPr>
-          <a:lstStyle/>
-          <a:p>
-            <a:r>
-              <a:rPr lang="en-US" dirty="0" smtClean="0"/>
-              <a:t>This Activity has </a:t>
-            </a:r>
-          </a:p>
-          <a:p>
-            <a:pPr marL="627008" indent="0">
-              <a:buNone/>
-            </a:pPr>
-            <a:r>
-              <a:rPr lang="en-US" dirty="0" smtClean="0"/>
-              <a:t>Text Fields for       Match ID, update Type, Batsman Batting and Bowler Bowling</a:t>
-            </a:r>
-            <a:r>
-              <a:rPr lang="en-US" dirty="0"/>
-              <a:t>.</a:t>
-            </a:r>
-            <a:endParaRPr lang="en-US" dirty="0" smtClean="0"/>
-          </a:p>
-        </p:txBody>
-      </p:sp>
-      <p:sp>
-        <p:nvSpPr>
-          <p:cNvPr id="2" name="Title 1"/>
-          <p:cNvSpPr>
-            <a:spLocks noGrp="1"/>
-          </p:cNvSpPr>
-          <p:nvPr>
-            <p:ph type="title"/>
-          </p:nvPr>
-        </p:nvSpPr>
-        <p:spPr/>
-        <p:txBody>
-          <a:bodyPr>
-            <a:normAutofit fontScale="90000"/>
-          </a:bodyPr>
-          <a:lstStyle/>
-          <a:p>
-            <a:r>
-              <a:rPr lang="en-US" dirty="0" smtClean="0"/>
-              <a:t>Current Batsman And Bowler</a:t>
-            </a:r>
-            <a:endParaRPr lang="en-US" dirty="0"/>
-          </a:p>
-        </p:txBody>
-      </p:sp>
-      <p:pic>
-        <p:nvPicPr>
-          <p:cNvPr id="8194" name="Picture 2"/>
-          <p:cNvPicPr>
-            <a:picLocks noChangeAspect="1" noChangeArrowheads="1"/>
-          </p:cNvPicPr>
-          <p:nvPr/>
-        </p:nvPicPr>
-        <p:blipFill>
-          <a:blip r:embed="rId2">
-            <a:extLst>
-              <a:ext uri="{28A0092B-C50C-407E-A947-70E740481C1C}">
-                <a14:useLocalDpi xmlns:a14="http://schemas.microsoft.com/office/drawing/2010/main" val="0"/>
-              </a:ext>
-            </a:extLst>
-          </a:blip>
-          <a:srcRect/>
-          <a:stretch>
-            <a:fillRect/>
-          </a:stretch>
-        </p:blipFill>
-        <p:spPr bwMode="auto">
-          <a:xfrm>
-            <a:off x="25679400" y="9753600"/>
-            <a:ext cx="16230600" cy="28651200"/>
-          </a:xfrm>
-          <a:prstGeom prst="rect">
-            <a:avLst/>
-          </a:prstGeom>
-          <a:noFill/>
-          <a:ln>
-            <a:noFill/>
-          </a:ln>
-          <a:effectLst/>
-          <a:extLst>
-            <a:ext uri="{909E8E84-426E-40DD-AFC4-6F175D3DCCD1}">
-              <a14:hiddenFill xmlns:a14="http://schemas.microsoft.com/office/drawing/2010/main">
-                <a:solidFill>
-                  <a:schemeClr val="accent1"/>
-                </a:solidFill>
-              </a14:hiddenFill>
-            </a:ext>
-            <a:ext uri="{91240B29-F687-4F45-9708-019B960494DF}">
-              <a14:hiddenLine xmlns:a14="http://schemas.microsoft.com/office/drawing/2010/main" w="9525">
-                <a:solidFill>
-                  <a:schemeClr val="tx1"/>
-                </a:solidFill>
-                <a:miter lim="800000"/>
-                <a:headEnd/>
-                <a:tailEnd/>
-              </a14:hiddenLine>
-            </a:ext>
-            <a:ext uri="{AF507438-7753-43E0-B8FC-AC1667EBCBE1}">
-              <a14:hiddenEffects xmlns:a14="http://schemas.microsoft.com/office/drawing/2010/main">
-                <a:effectLst>
-                  <a:outerShdw dist="35921" dir="2700000" algn="ctr" rotWithShape="0">
-                    <a:schemeClr val="bg2"/>
-                  </a:outerShdw>
-                </a:effectLst>
-              </a14:hiddenEffects>
-            </a:ext>
-          </a:extLst>
-        </p:spPr>
-      </p:pic>
-    </p:spTree>
-    <p:extLst>
-      <p:ext uri="{BB962C8B-B14F-4D97-AF65-F5344CB8AC3E}">
-        <p14:creationId xmlns:p14="http://schemas.microsoft.com/office/powerpoint/2010/main" val="1267629279"/>
-      </p:ext>
-    </p:extLst>
-  </p:cSld>
-  <p:clrMapOvr>
-    <a:masterClrMapping/>
-  </p:clrMapOvr>
-  <p:timing>
-    <p:tnLst>
-      <p:par>
-        <p:cTn id="1" dur="indefinite" restart="never" nodeType="tmRoot"/>
-      </p:par>
-    </p:tnLst>
-  </p:timing>
-</p:sld>
-</file>
-
-<file path=ppt/slides/slide9.xml><?xml version="1.0" encoding="utf-8"?>
-<p:sld xmlns:a="http://schemas.openxmlformats.org/drawingml/2006/main" xmlns:r="http://schemas.openxmlformats.org/officeDocument/2006/relationships" xmlns:p="http://schemas.openxmlformats.org/presentationml/2006/main">
-  <p:cSld>
-    <p:spTree>
-      <p:nvGrpSpPr>
-        <p:cNvPr id="1" name=""/>
-        <p:cNvGrpSpPr/>
-        <p:nvPr/>
-      </p:nvGrpSpPr>
-      <p:grpSpPr>
-        <a:xfrm>
-          <a:off x="0" y="0"/>
-          <a:ext cx="0" cy="0"/>
-          <a:chOff x="0" y="0"/>
-          <a:chExt cx="0" cy="0"/>
-        </a:xfrm>
-      </p:grpSpPr>
-      <p:sp>
-        <p:nvSpPr>
-          <p:cNvPr id="3" name="Content Placeholder 2"/>
-          <p:cNvSpPr>
-            <a:spLocks noGrp="1"/>
-          </p:cNvSpPr>
-          <p:nvPr>
-            <p:ph idx="1"/>
-          </p:nvPr>
-        </p:nvSpPr>
-        <p:spPr>
-          <a:xfrm>
-            <a:off x="2286000" y="9875523"/>
-            <a:ext cx="22098000" cy="30173087"/>
-          </a:xfrm>
-        </p:spPr>
-        <p:txBody>
-          <a:bodyPr>
-            <a:normAutofit/>
-          </a:bodyPr>
-          <a:lstStyle/>
-          <a:p>
-            <a:r>
-              <a:rPr lang="en-US" dirty="0" smtClean="0"/>
-              <a:t>This Activity has </a:t>
-            </a:r>
-          </a:p>
-          <a:p>
-            <a:pPr marL="627008" indent="0">
-              <a:buNone/>
-            </a:pPr>
-            <a:r>
-              <a:rPr lang="en-US" dirty="0" smtClean="0"/>
-              <a:t>Text Fields for Match Id , update Type , Team Name, Score , Wickets , Overs , Total Overs</a:t>
-            </a:r>
-          </a:p>
-        </p:txBody>
-      </p:sp>
-      <p:sp>
-        <p:nvSpPr>
-          <p:cNvPr id="2" name="Title 1"/>
-          <p:cNvSpPr>
-            <a:spLocks noGrp="1"/>
-          </p:cNvSpPr>
-          <p:nvPr>
-            <p:ph type="title"/>
-          </p:nvPr>
-        </p:nvSpPr>
-        <p:spPr/>
-        <p:txBody>
-          <a:bodyPr/>
-          <a:lstStyle/>
-          <a:p>
-            <a:r>
-              <a:rPr lang="en-US" dirty="0" smtClean="0"/>
-              <a:t>Score Update</a:t>
-            </a:r>
-            <a:endParaRPr lang="en-US" dirty="0"/>
-          </a:p>
-        </p:txBody>
-      </p:sp>
-      <p:pic>
-        <p:nvPicPr>
-          <p:cNvPr id="7170" name="Picture 2"/>
-          <p:cNvPicPr>
-            <a:picLocks noChangeAspect="1" noChangeArrowheads="1"/>
-          </p:cNvPicPr>
-          <p:nvPr/>
-        </p:nvPicPr>
-        <p:blipFill>
-          <a:blip r:embed="rId2">
-            <a:extLst>
-              <a:ext uri="{28A0092B-C50C-407E-A947-70E740481C1C}">
-                <a14:useLocalDpi xmlns:a14="http://schemas.microsoft.com/office/drawing/2010/main" val="0"/>
-              </a:ext>
-            </a:extLst>
-          </a:blip>
-          <a:srcRect/>
-          <a:stretch>
-            <a:fillRect/>
-          </a:stretch>
-        </p:blipFill>
-        <p:spPr bwMode="auto">
-          <a:xfrm>
-            <a:off x="26136600" y="8839200"/>
-            <a:ext cx="15316200" cy="28803600"/>
-          </a:xfrm>
-          <a:prstGeom prst="rect">
-            <a:avLst/>
-          </a:prstGeom>
-          <a:noFill/>
-          <a:ln>
-            <a:noFill/>
-          </a:ln>
-          <a:effectLst/>
-          <a:extLst>
-            <a:ext uri="{909E8E84-426E-40DD-AFC4-6F175D3DCCD1}">
-              <a14:hiddenFill xmlns:a14="http://schemas.microsoft.com/office/drawing/2010/main">
-                <a:solidFill>
-                  <a:schemeClr val="accent1"/>
-                </a:solidFill>
-              </a14:hiddenFill>
-            </a:ext>
-            <a:ext uri="{91240B29-F687-4F45-9708-019B960494DF}">
-              <a14:hiddenLine xmlns:a14="http://schemas.microsoft.com/office/drawing/2010/main" w="9525">
-                <a:solidFill>
-                  <a:schemeClr val="tx1"/>
-                </a:solidFill>
-                <a:miter lim="800000"/>
-                <a:headEnd/>
-                <a:tailEnd/>
-              </a14:hiddenLine>
-            </a:ext>
-            <a:ext uri="{AF507438-7753-43E0-B8FC-AC1667EBCBE1}">
-              <a14:hiddenEffects xmlns:a14="http://schemas.microsoft.com/office/drawing/2010/main">
-                <a:effectLst>
-                  <a:outerShdw dist="35921" dir="2700000" algn="ctr" rotWithShape="0">
-                    <a:schemeClr val="bg2"/>
-                  </a:outerShdw>
-                </a:effectLst>
-              </a14:hiddenEffects>
-            </a:ext>
-          </a:extLst>
-        </p:spPr>
-      </p:pic>
-    </p:spTree>
-    <p:extLst>
-      <p:ext uri="{BB962C8B-B14F-4D97-AF65-F5344CB8AC3E}">
-        <p14:creationId xmlns:p14="http://schemas.microsoft.com/office/powerpoint/2010/main" val="4107538928"/>
       </p:ext>
     </p:extLst>
   </p:cSld>
